--- a/Figure-5-2/Figure52/Figure52_blog.pptx
+++ b/Figure-5-2/Figure52/Figure52_blog.pptx
@@ -516,6 +516,70 @@
               <a:rPr/>
               <a:t>Title:</a:t>
             </a:r>
+            <a:r>
+              <a:rPr/>
+              <a:t> </a:t>
+            </a:r>
+            <a:r>
+              <a:rPr/>
+              <a:t>Voluntary</a:t>
+            </a:r>
+            <a:r>
+              <a:rPr/>
+              <a:t> </a:t>
+            </a:r>
+            <a:r>
+              <a:rPr/>
+              <a:t>post-tax</a:t>
+            </a:r>
+            <a:r>
+              <a:rPr/>
+              <a:t> </a:t>
+            </a:r>
+            <a:r>
+              <a:rPr/>
+              <a:t>contributions</a:t>
+            </a:r>
+            <a:r>
+              <a:rPr/>
+              <a:t> </a:t>
+            </a:r>
+            <a:r>
+              <a:rPr/>
+              <a:t>are</a:t>
+            </a:r>
+            <a:r>
+              <a:rPr/>
+              <a:t> </a:t>
+            </a:r>
+            <a:r>
+              <a:rPr/>
+              <a:t>made</a:t>
+            </a:r>
+            <a:r>
+              <a:rPr/>
+              <a:t> </a:t>
+            </a:r>
+            <a:r>
+              <a:rPr/>
+              <a:t>to</a:t>
+            </a:r>
+            <a:r>
+              <a:rPr/>
+              <a:t> </a:t>
+            </a:r>
+            <a:r>
+              <a:rPr/>
+              <a:t>high-balance</a:t>
+            </a:r>
+            <a:r>
+              <a:rPr/>
+              <a:t> </a:t>
+            </a:r>
+            <a:r>
+              <a:rPr/>
+              <a:t>accounts</a:t>
+            </a:r>
           </a:p>
           <a:p>
             <a:pPr lvl="0" marL="0" indent="0">
@@ -529,6 +593,372 @@
             <a:r>
               <a:rPr/>
               <a:t>Subtitle:</a:t>
+            </a:r>
+            <a:r>
+              <a:rPr/>
+              <a:t> </a:t>
+            </a:r>
+            <a:r>
+              <a:rPr/>
+              <a:t>Share</a:t>
+            </a:r>
+            <a:r>
+              <a:rPr/>
+              <a:t> </a:t>
+            </a:r>
+            <a:r>
+              <a:rPr/>
+              <a:t>of</a:t>
+            </a:r>
+            <a:r>
+              <a:rPr/>
+              <a:t> </a:t>
+            </a:r>
+            <a:r>
+              <a:rPr/>
+              <a:t>taxpayers</a:t>
+            </a:r>
+            <a:r>
+              <a:rPr/>
+              <a:t> </a:t>
+            </a:r>
+            <a:r>
+              <a:rPr/>
+              <a:t>and</a:t>
+            </a:r>
+            <a:r>
+              <a:rPr/>
+              <a:t> </a:t>
+            </a:r>
+            <a:r>
+              <a:rPr/>
+              <a:t>post-tax</a:t>
+            </a:r>
+            <a:r>
+              <a:rPr/>
+              <a:t> </a:t>
+            </a:r>
+            <a:r>
+              <a:rPr/>
+              <a:t>contributions,</a:t>
+            </a:r>
+            <a:r>
+              <a:rPr/>
+              <a:t> </a:t>
+            </a:r>
+            <a:r>
+              <a:rPr/>
+              <a:t>by</a:t>
+            </a:r>
+            <a:r>
+              <a:rPr/>
+              <a:t> </a:t>
+            </a:r>
+            <a:r>
+              <a:rPr/>
+              <a:t>existing</a:t>
+            </a:r>
+            <a:r>
+              <a:rPr/>
+              <a:t> </a:t>
+            </a:r>
+            <a:r>
+              <a:rPr/>
+              <a:t>superannuation</a:t>
+            </a:r>
+            <a:r>
+              <a:rPr/>
+              <a:t> </a:t>
+            </a:r>
+            <a:r>
+              <a:rPr/>
+              <a:t>balance</a:t>
+            </a:r>
+          </a:p>
+          <a:p>
+            <a:pPr lvl="0" marL="0" indent="0">
+              <a:buNone/>
+            </a:pPr>
+          </a:p>
+          <a:p>
+            <a:pPr lvl="0" marL="0" indent="0">
+              <a:buNone/>
+            </a:pPr>
+            <a:r>
+              <a:rPr/>
+              <a:t>Notes:</a:t>
+            </a:r>
+            <a:r>
+              <a:rPr/>
+              <a:t> </a:t>
+            </a:r>
+            <a:r>
+              <a:rPr/>
+              <a:t>Projections</a:t>
+            </a:r>
+            <a:r>
+              <a:rPr/>
+              <a:t> </a:t>
+            </a:r>
+            <a:r>
+              <a:rPr/>
+              <a:t>to</a:t>
+            </a:r>
+            <a:r>
+              <a:rPr/>
+              <a:t> </a:t>
+            </a:r>
+            <a:r>
+              <a:rPr/>
+              <a:t>2020-21</a:t>
+            </a:r>
+            <a:r>
+              <a:rPr/>
+              <a:t> </a:t>
+            </a:r>
+            <a:r>
+              <a:rPr/>
+              <a:t>assume</a:t>
+            </a:r>
+            <a:r>
+              <a:rPr/>
+              <a:t> </a:t>
+            </a:r>
+            <a:r>
+              <a:rPr/>
+              <a:t>2%</a:t>
+            </a:r>
+            <a:r>
+              <a:rPr/>
+              <a:t> </a:t>
+            </a:r>
+            <a:r>
+              <a:rPr/>
+              <a:t>wage</a:t>
+            </a:r>
+            <a:r>
+              <a:rPr/>
+              <a:t> </a:t>
+            </a:r>
+            <a:r>
+              <a:rPr/>
+              <a:t>growth</a:t>
+            </a:r>
+            <a:r>
+              <a:rPr/>
+              <a:t> </a:t>
+            </a:r>
+            <a:r>
+              <a:rPr/>
+              <a:t>and</a:t>
+            </a:r>
+            <a:r>
+              <a:rPr/>
+              <a:t> </a:t>
+            </a:r>
+            <a:r>
+              <a:rPr/>
+              <a:t>0%</a:t>
+            </a:r>
+            <a:r>
+              <a:rPr/>
+              <a:t> </a:t>
+            </a:r>
+            <a:r>
+              <a:rPr/>
+              <a:t>growth</a:t>
+            </a:r>
+            <a:r>
+              <a:rPr/>
+              <a:t> </a:t>
+            </a:r>
+            <a:r>
+              <a:rPr/>
+              <a:t>in</a:t>
+            </a:r>
+            <a:r>
+              <a:rPr/>
+              <a:t> </a:t>
+            </a:r>
+            <a:r>
+              <a:rPr/>
+              <a:t>the</a:t>
+            </a:r>
+            <a:r>
+              <a:rPr/>
+              <a:t> </a:t>
+            </a:r>
+            <a:r>
+              <a:rPr/>
+              <a:t>number</a:t>
+            </a:r>
+            <a:r>
+              <a:rPr/>
+              <a:t> </a:t>
+            </a:r>
+            <a:r>
+              <a:rPr/>
+              <a:t>of</a:t>
+            </a:r>
+            <a:r>
+              <a:rPr/>
+              <a:t> </a:t>
+            </a:r>
+            <a:r>
+              <a:rPr/>
+              <a:t>taxfilers</a:t>
+            </a:r>
+            <a:r>
+              <a:rPr/>
+              <a:t> </a:t>
+            </a:r>
+            <a:r>
+              <a:rPr/>
+              <a:t>from</a:t>
+            </a:r>
+            <a:r>
+              <a:rPr/>
+              <a:t> </a:t>
+            </a:r>
+            <a:r>
+              <a:rPr/>
+              <a:t>2019-20</a:t>
+            </a:r>
+            <a:r>
+              <a:rPr/>
+              <a:t> </a:t>
+            </a:r>
+            <a:r>
+              <a:rPr/>
+              <a:t>to</a:t>
+            </a:r>
+            <a:r>
+              <a:rPr/>
+              <a:t> </a:t>
+            </a:r>
+            <a:r>
+              <a:rPr/>
+              <a:t>2020-21.</a:t>
+            </a:r>
+            <a:r>
+              <a:rPr/>
+              <a:t> </a:t>
+            </a:r>
+            <a:r>
+              <a:rPr/>
+              <a:t>Post-tax</a:t>
+            </a:r>
+            <a:r>
+              <a:rPr/>
+              <a:t> </a:t>
+            </a:r>
+            <a:r>
+              <a:rPr/>
+              <a:t>contributions</a:t>
+            </a:r>
+            <a:r>
+              <a:rPr/>
+              <a:t> </a:t>
+            </a:r>
+            <a:r>
+              <a:rPr/>
+              <a:t>equals</a:t>
+            </a:r>
+            <a:r>
+              <a:rPr/>
+              <a:t> </a:t>
+            </a:r>
+            <a:r>
+              <a:rPr/>
+              <a:t>personal</a:t>
+            </a:r>
+            <a:r>
+              <a:rPr/>
+              <a:t> </a:t>
+            </a:r>
+            <a:r>
+              <a:rPr/>
+              <a:t>contributions</a:t>
+            </a:r>
+            <a:r>
+              <a:rPr/>
+              <a:t> </a:t>
+            </a:r>
+            <a:r>
+              <a:rPr/>
+              <a:t>less</a:t>
+            </a:r>
+            <a:r>
+              <a:rPr/>
+              <a:t> </a:t>
+            </a:r>
+            <a:r>
+              <a:rPr/>
+              <a:t>non-employer</a:t>
+            </a:r>
+            <a:r>
+              <a:rPr/>
+              <a:t> </a:t>
+            </a:r>
+            <a:r>
+              <a:rPr/>
+              <a:t>super</a:t>
+            </a:r>
+            <a:r>
+              <a:rPr/>
+              <a:t> </a:t>
+            </a:r>
+            <a:r>
+              <a:rPr/>
+              <a:t>contributions.</a:t>
+            </a:r>
+            <a:r>
+              <a:rPr/>
+              <a:t> </a:t>
+            </a:r>
+            <a:r>
+              <a:rPr/>
+              <a:t>Source:</a:t>
+            </a:r>
+            <a:r>
+              <a:rPr/>
+              <a:t> </a:t>
+            </a:r>
+            <a:r>
+              <a:rPr/>
+              <a:t>ATO</a:t>
+            </a:r>
+            <a:r>
+              <a:rPr/>
+              <a:t> </a:t>
+            </a:r>
+            <a:r>
+              <a:rPr/>
+              <a:t>2017-18</a:t>
+            </a:r>
+            <a:r>
+              <a:rPr/>
+              <a:t> </a:t>
+            </a:r>
+            <a:r>
+              <a:rPr/>
+              <a:t>2%</a:t>
+            </a:r>
+            <a:r>
+              <a:rPr/>
+              <a:t> </a:t>
+            </a:r>
+            <a:r>
+              <a:rPr/>
+              <a:t>sample</a:t>
+            </a:r>
+            <a:r>
+              <a:rPr/>
+              <a:t> </a:t>
+            </a:r>
+            <a:r>
+              <a:rPr/>
+              <a:t>file</a:t>
             </a:r>
           </a:p>
           <a:p>
@@ -3937,7 +4367,7 @@
           <a:p>
             <a:r>
               <a:rPr/>
-              <a:t> </a:t>
+              <a:t>Voluntary post-tax contributions are made to high-balance accounts</a:t>
             </a:r>
           </a:p>
         </p:txBody>
@@ -3964,7 +4394,7 @@
           <a:p>
             <a:r>
               <a:rPr/>
-              <a:t> </a:t>
+              <a:t>Share of taxpayers and post-tax contributions, by existing superannuation balance</a:t>
             </a:r>
           </a:p>
         </p:txBody>
@@ -4053,7 +4483,7 @@
           <p:spPr>
             <a:xfrm>
               <a:off x="768185" y="1322639"/>
-              <a:ext cx="8172486" cy="5112841"/>
+              <a:ext cx="8172486" cy="4531488"/>
             </a:xfrm>
             <a:prstGeom prst="rect">
               <a:avLst/>
@@ -4078,7 +4508,7 @@
           </p:nvSpPr>
           <p:spPr>
             <a:xfrm>
-              <a:off x="768185" y="6435481"/>
+              <a:off x="768185" y="5854128"/>
               <a:ext cx="8172486" cy="0"/>
             </a:xfrm>
             <a:custGeom>
@@ -4121,7 +4551,7 @@
           </p:nvSpPr>
           <p:spPr>
             <a:xfrm>
-              <a:off x="768185" y="5176160"/>
+              <a:off x="768185" y="4737998"/>
               <a:ext cx="8172486" cy="0"/>
             </a:xfrm>
             <a:custGeom>
@@ -4164,7 +4594,7 @@
           </p:nvSpPr>
           <p:spPr>
             <a:xfrm>
-              <a:off x="768185" y="3916840"/>
+              <a:off x="768185" y="3621868"/>
               <a:ext cx="8172486" cy="0"/>
             </a:xfrm>
             <a:custGeom>
@@ -4207,7 +4637,7 @@
           </p:nvSpPr>
           <p:spPr>
             <a:xfrm>
-              <a:off x="768185" y="2657519"/>
+              <a:off x="768185" y="2505737"/>
               <a:ext cx="8172486" cy="0"/>
             </a:xfrm>
             <a:custGeom>
@@ -4250,7 +4680,7 @@
           </p:nvSpPr>
           <p:spPr>
             <a:xfrm>
-              <a:off x="768185" y="1398199"/>
+              <a:off x="768185" y="1389607"/>
               <a:ext cx="8172486" cy="0"/>
             </a:xfrm>
             <a:custGeom>
@@ -4293,14 +4723,14 @@
           </p:nvSpPr>
           <p:spPr>
             <a:xfrm>
-              <a:off x="1325400" y="3257091"/>
-              <a:ext cx="3343289" cy="3178389"/>
+              <a:off x="1325400" y="3037136"/>
+              <a:ext cx="3343289" cy="2816992"/>
             </a:xfrm>
             <a:prstGeom prst="rect">
               <a:avLst/>
             </a:prstGeom>
             <a:solidFill>
-              <a:srgbClr val="FFE07F">
+              <a:srgbClr val="FFFFFF">
                 <a:alpha val="100000"/>
               </a:srgbClr>
             </a:solidFill>
@@ -4328,8 +4758,8 @@
           </p:nvSpPr>
           <p:spPr>
             <a:xfrm>
-              <a:off x="1325400" y="2217971"/>
-              <a:ext cx="3343289" cy="1039120"/>
+              <a:off x="1325400" y="2116168"/>
+              <a:ext cx="3343289" cy="920967"/>
             </a:xfrm>
             <a:prstGeom prst="rect">
               <a:avLst/>
@@ -4363,8 +4793,8 @@
           </p:nvSpPr>
           <p:spPr>
             <a:xfrm>
-              <a:off x="1325400" y="1767644"/>
-              <a:ext cx="3343289" cy="450327"/>
+              <a:off x="1325400" y="1717045"/>
+              <a:ext cx="3343289" cy="399123"/>
             </a:xfrm>
             <a:prstGeom prst="rect">
               <a:avLst/>
@@ -4398,8 +4828,8 @@
           </p:nvSpPr>
           <p:spPr>
             <a:xfrm>
-              <a:off x="1325400" y="1610315"/>
-              <a:ext cx="3343289" cy="157328"/>
+              <a:off x="1325400" y="1577605"/>
+              <a:ext cx="3343289" cy="139439"/>
             </a:xfrm>
             <a:prstGeom prst="rect">
               <a:avLst/>
@@ -4433,8 +4863,8 @@
           </p:nvSpPr>
           <p:spPr>
             <a:xfrm>
-              <a:off x="1325400" y="1534241"/>
-              <a:ext cx="3343289" cy="76074"/>
+              <a:off x="1325400" y="1510181"/>
+              <a:ext cx="3343289" cy="67424"/>
             </a:xfrm>
             <a:prstGeom prst="rect">
               <a:avLst/>
@@ -4468,8 +4898,8 @@
           </p:nvSpPr>
           <p:spPr>
             <a:xfrm>
-              <a:off x="1325400" y="1437535"/>
-              <a:ext cx="3343289" cy="96705"/>
+              <a:off x="1325400" y="1424471"/>
+              <a:ext cx="3343289" cy="85710"/>
             </a:xfrm>
             <a:prstGeom prst="rect">
               <a:avLst/>
@@ -4503,8 +4933,8 @@
           </p:nvSpPr>
           <p:spPr>
             <a:xfrm>
-              <a:off x="1325400" y="1398199"/>
-              <a:ext cx="3343289" cy="39336"/>
+              <a:off x="1325400" y="1389607"/>
+              <a:ext cx="3343289" cy="34863"/>
             </a:xfrm>
             <a:prstGeom prst="rect">
               <a:avLst/>
@@ -4538,14 +4968,14 @@
           </p:nvSpPr>
           <p:spPr>
             <a:xfrm>
-              <a:off x="5040167" y="6179718"/>
-              <a:ext cx="3343289" cy="255762"/>
+              <a:off x="5040167" y="5627447"/>
+              <a:ext cx="3343289" cy="226681"/>
             </a:xfrm>
             <a:prstGeom prst="rect">
               <a:avLst/>
             </a:prstGeom>
             <a:solidFill>
-              <a:srgbClr val="FFE07F">
+              <a:srgbClr val="FFFFFF">
                 <a:alpha val="100000"/>
               </a:srgbClr>
             </a:solidFill>
@@ -4573,8 +5003,8 @@
           </p:nvSpPr>
           <p:spPr>
             <a:xfrm>
-              <a:off x="5040167" y="5546597"/>
-              <a:ext cx="3343289" cy="633120"/>
+              <a:off x="5040167" y="5066314"/>
+              <a:ext cx="3343289" cy="561132"/>
             </a:xfrm>
             <a:prstGeom prst="rect">
               <a:avLst/>
@@ -4608,8 +5038,8 @@
           </p:nvSpPr>
           <p:spPr>
             <a:xfrm>
-              <a:off x="5040167" y="4285838"/>
-              <a:ext cx="3343289" cy="1260759"/>
+              <a:off x="5040167" y="3948909"/>
+              <a:ext cx="3343289" cy="1117405"/>
             </a:xfrm>
             <a:prstGeom prst="rect">
               <a:avLst/>
@@ -4643,8 +5073,8 @@
           </p:nvSpPr>
           <p:spPr>
             <a:xfrm>
-              <a:off x="5040167" y="3310222"/>
-              <a:ext cx="3343289" cy="975616"/>
+              <a:off x="5040167" y="3084225"/>
+              <a:ext cx="3343289" cy="864684"/>
             </a:xfrm>
             <a:prstGeom prst="rect">
               <a:avLst/>
@@ -4678,8 +5108,8 @@
           </p:nvSpPr>
           <p:spPr>
             <a:xfrm>
-              <a:off x="5040167" y="2668795"/>
-              <a:ext cx="3343289" cy="641427"/>
+              <a:off x="5040167" y="2515731"/>
+              <a:ext cx="3343289" cy="568494"/>
             </a:xfrm>
             <a:prstGeom prst="rect">
               <a:avLst/>
@@ -4713,8 +5143,8 @@
           </p:nvSpPr>
           <p:spPr>
             <a:xfrm>
-              <a:off x="5040167" y="1547184"/>
-              <a:ext cx="3343289" cy="1121611"/>
+              <a:off x="5040167" y="1521652"/>
+              <a:ext cx="3343289" cy="994078"/>
             </a:xfrm>
             <a:prstGeom prst="rect">
               <a:avLst/>
@@ -4748,8 +5178,8 @@
           </p:nvSpPr>
           <p:spPr>
             <a:xfrm>
-              <a:off x="5040167" y="1398199"/>
-              <a:ext cx="3343289" cy="148984"/>
+              <a:off x="5040167" y="1389607"/>
+              <a:ext cx="3343289" cy="132044"/>
             </a:xfrm>
             <a:prstGeom prst="rect">
               <a:avLst/>
@@ -4783,7 +5213,7 @@
           </p:nvSpPr>
           <p:spPr>
             <a:xfrm>
-              <a:off x="1992902" y="4717029"/>
+              <a:off x="1992902" y="4316375"/>
               <a:ext cx="2008286" cy="211075"/>
             </a:xfrm>
             <a:prstGeom prst="rect">
@@ -4820,7 +5250,7 @@
           </p:nvSpPr>
           <p:spPr>
             <a:xfrm>
-              <a:off x="1884741" y="2608274"/>
+              <a:off x="1884741" y="2447395"/>
               <a:ext cx="2224608" cy="211075"/>
             </a:xfrm>
             <a:prstGeom prst="rect">
@@ -4857,7 +5287,7 @@
           </p:nvSpPr>
           <p:spPr>
             <a:xfrm>
-              <a:off x="1884741" y="1863550"/>
+              <a:off x="1884741" y="1787349"/>
               <a:ext cx="2224608" cy="211075"/>
             </a:xfrm>
             <a:prstGeom prst="rect">
@@ -4894,7 +5324,7 @@
           </p:nvSpPr>
           <p:spPr>
             <a:xfrm>
-              <a:off x="1884741" y="1559722"/>
+              <a:off x="1884741" y="1518068"/>
               <a:ext cx="2224608" cy="211075"/>
             </a:xfrm>
             <a:prstGeom prst="rect">
@@ -4931,7 +5361,7 @@
           </p:nvSpPr>
           <p:spPr>
             <a:xfrm>
-              <a:off x="1878658" y="1443021"/>
+              <a:off x="1878658" y="1414636"/>
               <a:ext cx="2236775" cy="211075"/>
             </a:xfrm>
             <a:prstGeom prst="rect">
@@ -4968,7 +5398,7 @@
           </p:nvSpPr>
           <p:spPr>
             <a:xfrm>
-              <a:off x="1872574" y="1365449"/>
+              <a:off x="1872574" y="1346887"/>
               <a:ext cx="2248941" cy="202257"/>
             </a:xfrm>
             <a:prstGeom prst="rect">
@@ -5005,7 +5435,7 @@
           </p:nvSpPr>
           <p:spPr>
             <a:xfrm>
-              <a:off x="1967843" y="1297428"/>
+              <a:off x="1967843" y="1286600"/>
               <a:ext cx="2058404" cy="202257"/>
             </a:xfrm>
             <a:prstGeom prst="rect">
@@ -5042,7 +5472,7 @@
           </p:nvSpPr>
           <p:spPr>
             <a:xfrm>
-              <a:off x="5707668" y="6178342"/>
+              <a:off x="5707668" y="5611530"/>
               <a:ext cx="2008286" cy="211075"/>
             </a:xfrm>
             <a:prstGeom prst="rect">
@@ -5088,7 +5518,7 @@
           </p:nvSpPr>
           <p:spPr>
             <a:xfrm>
-              <a:off x="5599507" y="5733900"/>
+              <a:off x="5599507" y="5217623"/>
               <a:ext cx="2224608" cy="211075"/>
             </a:xfrm>
             <a:prstGeom prst="rect">
@@ -5134,7 +5564,7 @@
           </p:nvSpPr>
           <p:spPr>
             <a:xfrm>
-              <a:off x="5599507" y="4786960"/>
+              <a:off x="5599507" y="4378355"/>
               <a:ext cx="2224608" cy="211075"/>
             </a:xfrm>
             <a:prstGeom prst="rect">
@@ -5180,7 +5610,7 @@
           </p:nvSpPr>
           <p:spPr>
             <a:xfrm>
-              <a:off x="5599507" y="3668773"/>
+              <a:off x="5599507" y="3387310"/>
               <a:ext cx="2224608" cy="211075"/>
             </a:xfrm>
             <a:prstGeom prst="rect">
@@ -5226,7 +5656,7 @@
           </p:nvSpPr>
           <p:spPr>
             <a:xfrm>
-              <a:off x="5593424" y="2860251"/>
+              <a:off x="5593424" y="2670721"/>
               <a:ext cx="2236775" cy="211075"/>
             </a:xfrm>
             <a:prstGeom prst="rect">
@@ -5272,7 +5702,7 @@
           </p:nvSpPr>
           <p:spPr>
             <a:xfrm>
-              <a:off x="5587341" y="1987550"/>
+              <a:off x="5587341" y="1898252"/>
               <a:ext cx="2248941" cy="202257"/>
             </a:xfrm>
             <a:prstGeom prst="rect">
@@ -5318,7 +5748,7 @@
           </p:nvSpPr>
           <p:spPr>
             <a:xfrm>
-              <a:off x="5682609" y="1352252"/>
+              <a:off x="5682609" y="1335191"/>
               <a:ext cx="2058404" cy="202257"/>
             </a:xfrm>
             <a:prstGeom prst="rect">
@@ -5364,7 +5794,7 @@
           </p:nvSpPr>
           <p:spPr>
             <a:xfrm>
-              <a:off x="335301" y="6344844"/>
+              <a:off x="335301" y="5763492"/>
               <a:ext cx="330398" cy="172454"/>
             </a:xfrm>
             <a:prstGeom prst="rect">
@@ -5410,7 +5840,7 @@
           </p:nvSpPr>
           <p:spPr>
             <a:xfrm>
-              <a:off x="208165" y="5085524"/>
+              <a:off x="208165" y="4647362"/>
               <a:ext cx="457534" cy="172454"/>
             </a:xfrm>
             <a:prstGeom prst="rect">
@@ -5456,7 +5886,7 @@
           </p:nvSpPr>
           <p:spPr>
             <a:xfrm>
-              <a:off x="208165" y="3826203"/>
+              <a:off x="208165" y="3531231"/>
               <a:ext cx="457534" cy="172454"/>
             </a:xfrm>
             <a:prstGeom prst="rect">
@@ -5502,7 +5932,7 @@
           </p:nvSpPr>
           <p:spPr>
             <a:xfrm>
-              <a:off x="208165" y="2566883"/>
+              <a:off x="208165" y="2415101"/>
               <a:ext cx="457534" cy="172454"/>
             </a:xfrm>
             <a:prstGeom prst="rect">
@@ -5548,7 +5978,7 @@
           </p:nvSpPr>
           <p:spPr>
             <a:xfrm>
-              <a:off x="81028" y="1307562"/>
+              <a:off x="81028" y="1298971"/>
               <a:ext cx="584671" cy="172454"/>
             </a:xfrm>
             <a:prstGeom prst="rect">
@@ -5594,7 +6024,7 @@
           </p:nvSpPr>
           <p:spPr>
             <a:xfrm>
-              <a:off x="768185" y="6435481"/>
+              <a:off x="768185" y="5854128"/>
               <a:ext cx="8172486" cy="0"/>
             </a:xfrm>
             <a:custGeom>
@@ -5634,7 +6064,7 @@
           </p:nvSpPr>
           <p:spPr>
             <a:xfrm>
-              <a:off x="2997045" y="6435481"/>
+              <a:off x="2997045" y="5854128"/>
               <a:ext cx="0" cy="56936"/>
             </a:xfrm>
             <a:custGeom>
@@ -5674,7 +6104,7 @@
           </p:nvSpPr>
           <p:spPr>
             <a:xfrm>
-              <a:off x="6711812" y="6435481"/>
+              <a:off x="6711812" y="5854128"/>
               <a:ext cx="0" cy="56936"/>
             </a:xfrm>
             <a:custGeom>
@@ -5714,7 +6144,7 @@
           </p:nvSpPr>
           <p:spPr>
             <a:xfrm>
-              <a:off x="2565183" y="6532497"/>
+              <a:off x="2565183" y="5951144"/>
               <a:ext cx="863724" cy="169105"/>
             </a:xfrm>
             <a:prstGeom prst="rect">
@@ -5760,7 +6190,7 @@
           </p:nvSpPr>
           <p:spPr>
             <a:xfrm>
-              <a:off x="5612735" y="6535287"/>
+              <a:off x="5612735" y="5953935"/>
               <a:ext cx="2198154" cy="166315"/>
             </a:xfrm>
             <a:prstGeom prst="rect">
@@ -5794,6 +6224,144 @@
                   <a:cs typeface="Arial"/>
                 </a:rPr>
                 <a:t>Post-tax contributions</a:t>
+              </a:r>
+            </a:p>
+          </p:txBody>
+        </p:sp>
+        <p:sp>
+          <p:nvSpPr>
+            <p:cNvPr id="51" name="tx49"/>
+            <p:cNvSpPr/>
+            <p:nvPr/>
+          </p:nvSpPr>
+          <p:spPr>
+            <a:xfrm>
+              <a:off x="81028" y="6330270"/>
+              <a:ext cx="8561635" cy="118695"/>
+            </a:xfrm>
+            <a:prstGeom prst="rect">
+              <a:avLst/>
+            </a:prstGeom>
+            <a:noFill/>
+          </p:spPr>
+          <p:txBody>
+            <a:bodyPr lIns="0" rIns="0" tIns="0" bIns="0" anchorCtr="1" anchor="ctr" wrap="none"/>
+            <a:lstStyle/>
+            <a:p>
+              <a:pPr algn="l" marL="0" marR="0" indent="0">
+                <a:lnSpc>
+                  <a:spcPts val="999"/>
+                </a:lnSpc>
+                <a:spcBef>
+                  <a:spcPts val="0"/>
+                </a:spcBef>
+                <a:spcAft>
+                  <a:spcPts val="0"/>
+                </a:spcAft>
+              </a:pPr>
+              <a:r>
+                <a:rPr sz="999" i="1">
+                  <a:solidFill>
+                    <a:srgbClr val="000000">
+                      <a:alpha val="100000"/>
+                    </a:srgbClr>
+                  </a:solidFill>
+                  <a:latin typeface="Arial"/>
+                  <a:cs typeface="Arial"/>
+                </a:rPr>
+                <a:t>Notes: Projections to 2020-21 assume 2% wage growth and 0% growth in the number of taxfilers from 2019-20 to 2020-21. Post-tax contributions equals</a:t>
+              </a:r>
+            </a:p>
+          </p:txBody>
+        </p:sp>
+        <p:sp>
+          <p:nvSpPr>
+            <p:cNvPr id="52" name="tx50"/>
+            <p:cNvSpPr/>
+            <p:nvPr/>
+          </p:nvSpPr>
+          <p:spPr>
+            <a:xfrm>
+              <a:off x="81028" y="6468470"/>
+              <a:ext cx="3455616" cy="117518"/>
+            </a:xfrm>
+            <a:prstGeom prst="rect">
+              <a:avLst/>
+            </a:prstGeom>
+            <a:noFill/>
+          </p:spPr>
+          <p:txBody>
+            <a:bodyPr lIns="0" rIns="0" tIns="0" bIns="0" anchorCtr="1" anchor="ctr" wrap="none"/>
+            <a:lstStyle/>
+            <a:p>
+              <a:pPr algn="l" marL="0" marR="0" indent="0">
+                <a:lnSpc>
+                  <a:spcPts val="999"/>
+                </a:lnSpc>
+                <a:spcBef>
+                  <a:spcPts val="0"/>
+                </a:spcBef>
+                <a:spcAft>
+                  <a:spcPts val="0"/>
+                </a:spcAft>
+              </a:pPr>
+              <a:r>
+                <a:rPr sz="999" i="1">
+                  <a:solidFill>
+                    <a:srgbClr val="000000">
+                      <a:alpha val="100000"/>
+                    </a:srgbClr>
+                  </a:solidFill>
+                  <a:latin typeface="Arial"/>
+                  <a:cs typeface="Arial"/>
+                </a:rPr>
+                <a:t>personal contributions less non-employer super contributions.</a:t>
+              </a:r>
+            </a:p>
+          </p:txBody>
+        </p:sp>
+        <p:sp>
+          <p:nvSpPr>
+            <p:cNvPr id="53" name="tx51"/>
+            <p:cNvSpPr/>
+            <p:nvPr/>
+          </p:nvSpPr>
+          <p:spPr>
+            <a:xfrm>
+              <a:off x="81028" y="6605431"/>
+              <a:ext cx="2094457" cy="117580"/>
+            </a:xfrm>
+            <a:prstGeom prst="rect">
+              <a:avLst/>
+            </a:prstGeom>
+            <a:noFill/>
+          </p:spPr>
+          <p:txBody>
+            <a:bodyPr lIns="0" rIns="0" tIns="0" bIns="0" anchorCtr="1" anchor="ctr" wrap="none"/>
+            <a:lstStyle/>
+            <a:p>
+              <a:pPr algn="l" marL="0" marR="0" indent="0">
+                <a:lnSpc>
+                  <a:spcPts val="999"/>
+                </a:lnSpc>
+                <a:spcBef>
+                  <a:spcPts val="0"/>
+                </a:spcBef>
+                <a:spcAft>
+                  <a:spcPts val="0"/>
+                </a:spcAft>
+              </a:pPr>
+              <a:r>
+                <a:rPr sz="999" i="1">
+                  <a:solidFill>
+                    <a:srgbClr val="000000">
+                      <a:alpha val="100000"/>
+                    </a:srgbClr>
+                  </a:solidFill>
+                  <a:latin typeface="Arial"/>
+                  <a:cs typeface="Arial"/>
+                </a:rPr>
+                <a:t>Source: ATO 2017-18 2% sample file</a:t>
               </a:r>
             </a:p>
           </p:txBody>
